--- a/REPERTÓRIO/Apresentação.pptx
+++ b/REPERTÓRIO/Apresentação.pptx
@@ -214,7 +214,7 @@
           <a:p>
             <a:fld id="{E759C8F2-6077-4354-8185-302FDA2E52F8}" type="datetimeFigureOut">
               <a:rPr lang="pt-BR" smtClean="0"/>
-              <a:t>08/12/2021</a:t>
+              <a:t>09/12/2021</a:t>
             </a:fld>
             <a:endParaRPr lang="pt-BR"/>
           </a:p>
@@ -628,7 +628,7 @@
           <a:p>
             <a:fld id="{8DF29F9D-9602-4019-A182-CAC47BBE4920}" type="datetimeFigureOut">
               <a:rPr lang="pt-BR" smtClean="0"/>
-              <a:t>08/12/2021</a:t>
+              <a:t>09/12/2021</a:t>
             </a:fld>
             <a:endParaRPr lang="pt-BR"/>
           </a:p>
@@ -700,12 +700,12 @@
   </p:clrMapOvr>
   <mc:AlternateContent xmlns:mc="http://schemas.openxmlformats.org/markup-compatibility/2006">
     <mc:Choice xmlns:p159="http://schemas.microsoft.com/office/powerpoint/2015/09/main" Requires="p159">
-      <p:transition>
+      <p:transition xmlns:p14="http://schemas.microsoft.com/office/powerpoint/2010/main" spd="slow" p14:dur="2000">
         <p159:morph option="byObject"/>
       </p:transition>
     </mc:Choice>
     <mc:Fallback>
-      <p:transition>
+      <p:transition spd="slow">
         <p:fade/>
       </p:transition>
     </mc:Fallback>
@@ -838,7 +838,7 @@
           <a:p>
             <a:fld id="{8DF29F9D-9602-4019-A182-CAC47BBE4920}" type="datetimeFigureOut">
               <a:rPr lang="pt-BR" smtClean="0"/>
-              <a:t>08/12/2021</a:t>
+              <a:t>09/12/2021</a:t>
             </a:fld>
             <a:endParaRPr lang="pt-BR"/>
           </a:p>
@@ -910,12 +910,12 @@
   </p:clrMapOvr>
   <mc:AlternateContent xmlns:mc="http://schemas.openxmlformats.org/markup-compatibility/2006">
     <mc:Choice xmlns:p159="http://schemas.microsoft.com/office/powerpoint/2015/09/main" Requires="p159">
-      <p:transition>
+      <p:transition xmlns:p14="http://schemas.microsoft.com/office/powerpoint/2010/main" spd="slow" p14:dur="2000">
         <p159:morph option="byObject"/>
       </p:transition>
     </mc:Choice>
     <mc:Fallback>
-      <p:transition>
+      <p:transition spd="slow">
         <p:fade/>
       </p:transition>
     </mc:Fallback>
@@ -1058,7 +1058,7 @@
           <a:p>
             <a:fld id="{8DF29F9D-9602-4019-A182-CAC47BBE4920}" type="datetimeFigureOut">
               <a:rPr lang="pt-BR" smtClean="0"/>
-              <a:t>08/12/2021</a:t>
+              <a:t>09/12/2021</a:t>
             </a:fld>
             <a:endParaRPr lang="pt-BR"/>
           </a:p>
@@ -1130,12 +1130,12 @@
   </p:clrMapOvr>
   <mc:AlternateContent xmlns:mc="http://schemas.openxmlformats.org/markup-compatibility/2006">
     <mc:Choice xmlns:p159="http://schemas.microsoft.com/office/powerpoint/2015/09/main" Requires="p159">
-      <p:transition>
+      <p:transition xmlns:p14="http://schemas.microsoft.com/office/powerpoint/2010/main" spd="slow" p14:dur="2000">
         <p159:morph option="byObject"/>
       </p:transition>
     </mc:Choice>
     <mc:Fallback>
-      <p:transition>
+      <p:transition spd="slow">
         <p:fade/>
       </p:transition>
     </mc:Fallback>
@@ -1268,7 +1268,7 @@
           <a:p>
             <a:fld id="{8DF29F9D-9602-4019-A182-CAC47BBE4920}" type="datetimeFigureOut">
               <a:rPr lang="pt-BR" smtClean="0"/>
-              <a:t>08/12/2021</a:t>
+              <a:t>09/12/2021</a:t>
             </a:fld>
             <a:endParaRPr lang="pt-BR"/>
           </a:p>
@@ -1340,12 +1340,12 @@
   </p:clrMapOvr>
   <mc:AlternateContent xmlns:mc="http://schemas.openxmlformats.org/markup-compatibility/2006">
     <mc:Choice xmlns:p159="http://schemas.microsoft.com/office/powerpoint/2015/09/main" Requires="p159">
-      <p:transition>
+      <p:transition xmlns:p14="http://schemas.microsoft.com/office/powerpoint/2010/main" spd="slow" p14:dur="2000">
         <p159:morph option="byObject"/>
       </p:transition>
     </mc:Choice>
     <mc:Fallback>
-      <p:transition>
+      <p:transition spd="slow">
         <p:fade/>
       </p:transition>
     </mc:Fallback>
@@ -1555,7 +1555,7 @@
           <a:p>
             <a:fld id="{8DF29F9D-9602-4019-A182-CAC47BBE4920}" type="datetimeFigureOut">
               <a:rPr lang="pt-BR" smtClean="0"/>
-              <a:t>08/12/2021</a:t>
+              <a:t>09/12/2021</a:t>
             </a:fld>
             <a:endParaRPr lang="pt-BR"/>
           </a:p>
@@ -1627,12 +1627,12 @@
   </p:clrMapOvr>
   <mc:AlternateContent xmlns:mc="http://schemas.openxmlformats.org/markup-compatibility/2006">
     <mc:Choice xmlns:p159="http://schemas.microsoft.com/office/powerpoint/2015/09/main" Requires="p159">
-      <p:transition>
+      <p:transition xmlns:p14="http://schemas.microsoft.com/office/powerpoint/2010/main" spd="slow" p14:dur="2000">
         <p159:morph option="byObject"/>
       </p:transition>
     </mc:Choice>
     <mc:Fallback>
-      <p:transition>
+      <p:transition spd="slow">
         <p:fade/>
       </p:transition>
     </mc:Fallback>
@@ -1832,7 +1832,7 @@
           <a:p>
             <a:fld id="{8DF29F9D-9602-4019-A182-CAC47BBE4920}" type="datetimeFigureOut">
               <a:rPr lang="pt-BR" smtClean="0"/>
-              <a:t>08/12/2021</a:t>
+              <a:t>09/12/2021</a:t>
             </a:fld>
             <a:endParaRPr lang="pt-BR"/>
           </a:p>
@@ -1904,12 +1904,12 @@
   </p:clrMapOvr>
   <mc:AlternateContent xmlns:mc="http://schemas.openxmlformats.org/markup-compatibility/2006">
     <mc:Choice xmlns:p159="http://schemas.microsoft.com/office/powerpoint/2015/09/main" Requires="p159">
-      <p:transition>
+      <p:transition xmlns:p14="http://schemas.microsoft.com/office/powerpoint/2010/main" spd="slow" p14:dur="2000">
         <p159:morph option="byObject"/>
       </p:transition>
     </mc:Choice>
     <mc:Fallback>
-      <p:transition>
+      <p:transition spd="slow">
         <p:fade/>
       </p:transition>
     </mc:Fallback>
@@ -2256,7 +2256,7 @@
           <a:p>
             <a:fld id="{8DF29F9D-9602-4019-A182-CAC47BBE4920}" type="datetimeFigureOut">
               <a:rPr lang="pt-BR" smtClean="0"/>
-              <a:t>08/12/2021</a:t>
+              <a:t>09/12/2021</a:t>
             </a:fld>
             <a:endParaRPr lang="pt-BR"/>
           </a:p>
@@ -2328,12 +2328,12 @@
   </p:clrMapOvr>
   <mc:AlternateContent xmlns:mc="http://schemas.openxmlformats.org/markup-compatibility/2006">
     <mc:Choice xmlns:p159="http://schemas.microsoft.com/office/powerpoint/2015/09/main" Requires="p159">
-      <p:transition>
+      <p:transition xmlns:p14="http://schemas.microsoft.com/office/powerpoint/2010/main" spd="slow" p14:dur="2000">
         <p159:morph option="byObject"/>
       </p:transition>
     </mc:Choice>
     <mc:Fallback>
-      <p:transition>
+      <p:transition spd="slow">
         <p:fade/>
       </p:transition>
     </mc:Fallback>
@@ -2409,7 +2409,7 @@
           <a:p>
             <a:fld id="{8DF29F9D-9602-4019-A182-CAC47BBE4920}" type="datetimeFigureOut">
               <a:rPr lang="pt-BR" smtClean="0"/>
-              <a:t>08/12/2021</a:t>
+              <a:t>09/12/2021</a:t>
             </a:fld>
             <a:endParaRPr lang="pt-BR"/>
           </a:p>
@@ -2481,12 +2481,12 @@
   </p:clrMapOvr>
   <mc:AlternateContent xmlns:mc="http://schemas.openxmlformats.org/markup-compatibility/2006">
     <mc:Choice xmlns:p159="http://schemas.microsoft.com/office/powerpoint/2015/09/main" Requires="p159">
-      <p:transition>
+      <p:transition xmlns:p14="http://schemas.microsoft.com/office/powerpoint/2010/main" spd="slow" p14:dur="2000">
         <p159:morph option="byObject"/>
       </p:transition>
     </mc:Choice>
     <mc:Fallback>
-      <p:transition>
+      <p:transition spd="slow">
         <p:fade/>
       </p:transition>
     </mc:Fallback>
@@ -2534,7 +2534,7 @@
           <a:p>
             <a:fld id="{8DF29F9D-9602-4019-A182-CAC47BBE4920}" type="datetimeFigureOut">
               <a:rPr lang="pt-BR" smtClean="0"/>
-              <a:t>08/12/2021</a:t>
+              <a:t>09/12/2021</a:t>
             </a:fld>
             <a:endParaRPr lang="pt-BR"/>
           </a:p>
@@ -2606,12 +2606,12 @@
   </p:clrMapOvr>
   <mc:AlternateContent xmlns:mc="http://schemas.openxmlformats.org/markup-compatibility/2006">
     <mc:Choice xmlns:p159="http://schemas.microsoft.com/office/powerpoint/2015/09/main" Requires="p159">
-      <p:transition>
+      <p:transition xmlns:p14="http://schemas.microsoft.com/office/powerpoint/2010/main" spd="slow" p14:dur="2000">
         <p159:morph option="byObject"/>
       </p:transition>
     </mc:Choice>
     <mc:Fallback>
-      <p:transition>
+      <p:transition spd="slow">
         <p:fade/>
       </p:transition>
     </mc:Fallback>
@@ -2857,7 +2857,7 @@
           <a:p>
             <a:fld id="{8DF29F9D-9602-4019-A182-CAC47BBE4920}" type="datetimeFigureOut">
               <a:rPr lang="pt-BR" smtClean="0"/>
-              <a:t>08/12/2021</a:t>
+              <a:t>09/12/2021</a:t>
             </a:fld>
             <a:endParaRPr lang="pt-BR"/>
           </a:p>
@@ -2929,12 +2929,12 @@
   </p:clrMapOvr>
   <mc:AlternateContent xmlns:mc="http://schemas.openxmlformats.org/markup-compatibility/2006">
     <mc:Choice xmlns:p159="http://schemas.microsoft.com/office/powerpoint/2015/09/main" Requires="p159">
-      <p:transition>
+      <p:transition xmlns:p14="http://schemas.microsoft.com/office/powerpoint/2010/main" spd="slow" p14:dur="2000">
         <p159:morph option="byObject"/>
       </p:transition>
     </mc:Choice>
     <mc:Fallback>
-      <p:transition>
+      <p:transition spd="slow">
         <p:fade/>
       </p:transition>
     </mc:Fallback>
@@ -3157,7 +3157,7 @@
           <a:p>
             <a:fld id="{8DF29F9D-9602-4019-A182-CAC47BBE4920}" type="datetimeFigureOut">
               <a:rPr lang="pt-BR" smtClean="0"/>
-              <a:t>08/12/2021</a:t>
+              <a:t>09/12/2021</a:t>
             </a:fld>
             <a:endParaRPr lang="pt-BR"/>
           </a:p>
@@ -3229,12 +3229,12 @@
   </p:clrMapOvr>
   <mc:AlternateContent xmlns:mc="http://schemas.openxmlformats.org/markup-compatibility/2006">
     <mc:Choice xmlns:p159="http://schemas.microsoft.com/office/powerpoint/2015/09/main" Requires="p159">
-      <p:transition>
+      <p:transition xmlns:p14="http://schemas.microsoft.com/office/powerpoint/2010/main" spd="slow" p14:dur="2000">
         <p159:morph option="byObject"/>
       </p:transition>
     </mc:Choice>
     <mc:Fallback>
-      <p:transition>
+      <p:transition spd="slow">
         <p:fade/>
       </p:transition>
     </mc:Fallback>
@@ -3410,7 +3410,7 @@
           <a:p>
             <a:fld id="{8DF29F9D-9602-4019-A182-CAC47BBE4920}" type="datetimeFigureOut">
               <a:rPr lang="pt-BR" smtClean="0"/>
-              <a:t>08/12/2021</a:t>
+              <a:t>09/12/2021</a:t>
             </a:fld>
             <a:endParaRPr lang="pt-BR"/>
           </a:p>
@@ -3529,12 +3529,12 @@
   </p:sldLayoutIdLst>
   <mc:AlternateContent xmlns:mc="http://schemas.openxmlformats.org/markup-compatibility/2006">
     <mc:Choice xmlns:p159="http://schemas.microsoft.com/office/powerpoint/2015/09/main" Requires="p159">
-      <p:transition>
+      <p:transition xmlns:p14="http://schemas.microsoft.com/office/powerpoint/2010/main" spd="slow" p14:dur="2000">
         <p159:morph option="byObject"/>
       </p:transition>
     </mc:Choice>
     <mc:Fallback>
-      <p:transition>
+      <p:transition spd="slow">
         <p:fade/>
       </p:transition>
     </mc:Fallback>
@@ -3992,6 +3992,7 @@
             </a:r>
           </a:p>
           <a:p>
+            <a:pPr algn="ctr"/>
             <a:r>
               <a:rPr lang="pt-BR" sz="3600" b="1" dirty="0">
                 <a:solidFill>
@@ -4000,7 +4001,27 @@
                 <a:latin typeface="Segoe UI Semibold" panose="020B0702040204020203" pitchFamily="34" charset="0"/>
                 <a:cs typeface="Segoe UI Semibold" panose="020B0702040204020203" pitchFamily="34" charset="0"/>
               </a:rPr>
-              <a:t>Speak Now </a:t>
+              <a:t>     </a:t>
+            </a:r>
+            <a:r>
+              <a:rPr lang="pt-BR" sz="3600" b="1" dirty="0" err="1">
+                <a:solidFill>
+                  <a:srgbClr val="000070"/>
+                </a:solidFill>
+                <a:latin typeface="Segoe UI Semibold" panose="020B0702040204020203" pitchFamily="34" charset="0"/>
+                <a:cs typeface="Segoe UI Semibold" panose="020B0702040204020203" pitchFamily="34" charset="0"/>
+              </a:rPr>
+              <a:t>Speak</a:t>
+            </a:r>
+            <a:r>
+              <a:rPr lang="pt-BR" sz="3600" b="1" dirty="0">
+                <a:solidFill>
+                  <a:srgbClr val="000070"/>
+                </a:solidFill>
+                <a:latin typeface="Segoe UI Semibold" panose="020B0702040204020203" pitchFamily="34" charset="0"/>
+                <a:cs typeface="Segoe UI Semibold" panose="020B0702040204020203" pitchFamily="34" charset="0"/>
+              </a:rPr>
+              <a:t> Now </a:t>
             </a:r>
           </a:p>
         </p:txBody>
@@ -4918,12 +4939,12 @@
   </p:clrMapOvr>
   <mc:AlternateContent xmlns:mc="http://schemas.openxmlformats.org/markup-compatibility/2006">
     <mc:Choice xmlns:p159="http://schemas.microsoft.com/office/powerpoint/2015/09/main" Requires="p159">
-      <p:transition>
+      <p:transition xmlns:p14="http://schemas.microsoft.com/office/powerpoint/2010/main" spd="slow" p14:dur="2000">
         <p159:morph option="byObject"/>
       </p:transition>
     </mc:Choice>
     <mc:Fallback>
-      <p:transition>
+      <p:transition spd="slow">
         <p:fade/>
       </p:transition>
     </mc:Fallback>
@@ -5766,6 +5787,484 @@
           </a:prstGeom>
         </p:spPr>
       </p:pic>
+      <p:sp>
+        <p:nvSpPr>
+          <p:cNvPr id="5" name="Título 4">
+            <a:extLst>
+              <a:ext uri="{FF2B5EF4-FFF2-40B4-BE49-F238E27FC236}">
+                <a16:creationId xmlns:a16="http://schemas.microsoft.com/office/drawing/2014/main" id="{9012A7E6-3F85-4116-91E1-136AC192D551}"/>
+              </a:ext>
+            </a:extLst>
+          </p:cNvPr>
+          <p:cNvSpPr>
+            <a:spLocks noGrp="1"/>
+          </p:cNvSpPr>
+          <p:nvPr>
+            <p:ph type="title"/>
+          </p:nvPr>
+        </p:nvSpPr>
+        <p:spPr>
+          <a:xfrm>
+            <a:off x="2534479" y="365126"/>
+            <a:ext cx="1427921" cy="655292"/>
+          </a:xfrm>
+        </p:spPr>
+        <p:txBody>
+          <a:bodyPr>
+            <a:normAutofit fontScale="90000"/>
+          </a:bodyPr>
+          <a:lstStyle/>
+          <a:p>
+            <a:r>
+              <a:rPr lang="pt-BR" dirty="0"/>
+              <a:t>Listas</a:t>
+            </a:r>
+          </a:p>
+        </p:txBody>
+      </p:sp>
+      <p:sp>
+        <p:nvSpPr>
+          <p:cNvPr id="6" name="Retângulo 5">
+            <a:extLst>
+              <a:ext uri="{FF2B5EF4-FFF2-40B4-BE49-F238E27FC236}">
+                <a16:creationId xmlns:a16="http://schemas.microsoft.com/office/drawing/2014/main" id="{51D4C5A5-0755-4F19-8FBB-8558F4FBDFB2}"/>
+              </a:ext>
+            </a:extLst>
+          </p:cNvPr>
+          <p:cNvSpPr/>
+          <p:nvPr/>
+        </p:nvSpPr>
+        <p:spPr>
+          <a:xfrm>
+            <a:off x="2252869" y="3553679"/>
+            <a:ext cx="3023478" cy="655292"/>
+          </a:xfrm>
+          <a:prstGeom prst="rect">
+            <a:avLst/>
+          </a:prstGeom>
+        </p:spPr>
+        <p:style>
+          <a:lnRef idx="2">
+            <a:schemeClr val="accent1">
+              <a:shade val="50000"/>
+            </a:schemeClr>
+          </a:lnRef>
+          <a:fillRef idx="1">
+            <a:schemeClr val="accent1"/>
+          </a:fillRef>
+          <a:effectRef idx="0">
+            <a:schemeClr val="accent1"/>
+          </a:effectRef>
+          <a:fontRef idx="minor">
+            <a:schemeClr val="lt1"/>
+          </a:fontRef>
+        </p:style>
+        <p:txBody>
+          <a:bodyPr rtlCol="0" anchor="ctr"/>
+          <a:lstStyle/>
+          <a:p>
+            <a:r>
+              <a:rPr lang="pt-BR" sz="1600" b="1" dirty="0">
+                <a:solidFill>
+                  <a:srgbClr val="FFFF00"/>
+                </a:solidFill>
+              </a:rPr>
+              <a:t>Ficha de matrícula</a:t>
+            </a:r>
+          </a:p>
+        </p:txBody>
+      </p:sp>
+      <p:sp>
+        <p:nvSpPr>
+          <p:cNvPr id="7" name="Retângulo 6">
+            <a:extLst>
+              <a:ext uri="{FF2B5EF4-FFF2-40B4-BE49-F238E27FC236}">
+                <a16:creationId xmlns:a16="http://schemas.microsoft.com/office/drawing/2014/main" id="{E6CD343E-84F0-4260-97E7-6C8DF3C3CCE7}"/>
+              </a:ext>
+            </a:extLst>
+          </p:cNvPr>
+          <p:cNvSpPr/>
+          <p:nvPr/>
+        </p:nvSpPr>
+        <p:spPr>
+          <a:xfrm>
+            <a:off x="2262365" y="1364900"/>
+            <a:ext cx="3013980" cy="655292"/>
+          </a:xfrm>
+          <a:prstGeom prst="rect">
+            <a:avLst/>
+          </a:prstGeom>
+        </p:spPr>
+        <p:style>
+          <a:lnRef idx="2">
+            <a:schemeClr val="accent1">
+              <a:shade val="50000"/>
+            </a:schemeClr>
+          </a:lnRef>
+          <a:fillRef idx="1">
+            <a:schemeClr val="accent1"/>
+          </a:fillRef>
+          <a:effectRef idx="0">
+            <a:schemeClr val="accent1"/>
+          </a:effectRef>
+          <a:fontRef idx="minor">
+            <a:schemeClr val="lt1"/>
+          </a:fontRef>
+        </p:style>
+        <p:txBody>
+          <a:bodyPr rtlCol="0" anchor="ctr"/>
+          <a:lstStyle/>
+          <a:p>
+            <a:r>
+              <a:rPr lang="pt-BR" sz="1600" b="1" dirty="0">
+                <a:solidFill>
+                  <a:srgbClr val="FFFF00"/>
+                </a:solidFill>
+              </a:rPr>
+              <a:t>Nome do aluno: </a:t>
+            </a:r>
+          </a:p>
+          <a:p>
+            <a:r>
+              <a:rPr lang="pt-BR" sz="1600" b="1" dirty="0">
+                <a:solidFill>
+                  <a:srgbClr val="FFFF00"/>
+                </a:solidFill>
+              </a:rPr>
+              <a:t>Matrícula Curso:</a:t>
+            </a:r>
+          </a:p>
+          <a:p>
+            <a:r>
+              <a:rPr lang="pt-BR" sz="1600" b="1" dirty="0">
+                <a:solidFill>
+                  <a:srgbClr val="FFFF00"/>
+                </a:solidFill>
+              </a:rPr>
+              <a:t> Semestre:</a:t>
+            </a:r>
+          </a:p>
+        </p:txBody>
+      </p:sp>
+      <p:sp>
+        <p:nvSpPr>
+          <p:cNvPr id="8" name="Retângulo 7">
+            <a:extLst>
+              <a:ext uri="{FF2B5EF4-FFF2-40B4-BE49-F238E27FC236}">
+                <a16:creationId xmlns:a16="http://schemas.microsoft.com/office/drawing/2014/main" id="{D1795657-AF90-44FA-8303-044565DFF944}"/>
+              </a:ext>
+            </a:extLst>
+          </p:cNvPr>
+          <p:cNvSpPr/>
+          <p:nvPr/>
+        </p:nvSpPr>
+        <p:spPr>
+          <a:xfrm>
+            <a:off x="5925444" y="2467423"/>
+            <a:ext cx="3013981" cy="655292"/>
+          </a:xfrm>
+          <a:prstGeom prst="rect">
+            <a:avLst/>
+          </a:prstGeom>
+        </p:spPr>
+        <p:style>
+          <a:lnRef idx="2">
+            <a:schemeClr val="accent1">
+              <a:shade val="50000"/>
+            </a:schemeClr>
+          </a:lnRef>
+          <a:fillRef idx="1">
+            <a:schemeClr val="accent1"/>
+          </a:fillRef>
+          <a:effectRef idx="0">
+            <a:schemeClr val="accent1"/>
+          </a:effectRef>
+          <a:fontRef idx="minor">
+            <a:schemeClr val="lt1"/>
+          </a:fontRef>
+        </p:style>
+        <p:txBody>
+          <a:bodyPr rtlCol="0" anchor="ctr"/>
+          <a:lstStyle/>
+          <a:p>
+            <a:r>
+              <a:rPr lang="pt-BR" sz="1600" b="1" dirty="0">
+                <a:solidFill>
+                  <a:srgbClr val="FFFF00"/>
+                </a:solidFill>
+              </a:rPr>
+              <a:t>Declaração de matrícula </a:t>
+            </a:r>
+          </a:p>
+        </p:txBody>
+      </p:sp>
+      <p:sp>
+        <p:nvSpPr>
+          <p:cNvPr id="9" name="Retângulo 8">
+            <a:extLst>
+              <a:ext uri="{FF2B5EF4-FFF2-40B4-BE49-F238E27FC236}">
+                <a16:creationId xmlns:a16="http://schemas.microsoft.com/office/drawing/2014/main" id="{C83A6032-D634-4D1A-84A8-CD64D1CA30B4}"/>
+              </a:ext>
+            </a:extLst>
+          </p:cNvPr>
+          <p:cNvSpPr/>
+          <p:nvPr/>
+        </p:nvSpPr>
+        <p:spPr>
+          <a:xfrm>
+            <a:off x="5925442" y="3553679"/>
+            <a:ext cx="3013981" cy="655292"/>
+          </a:xfrm>
+          <a:prstGeom prst="rect">
+            <a:avLst/>
+          </a:prstGeom>
+        </p:spPr>
+        <p:style>
+          <a:lnRef idx="2">
+            <a:schemeClr val="accent1">
+              <a:shade val="50000"/>
+            </a:schemeClr>
+          </a:lnRef>
+          <a:fillRef idx="1">
+            <a:schemeClr val="accent1"/>
+          </a:fillRef>
+          <a:effectRef idx="0">
+            <a:schemeClr val="accent1"/>
+          </a:effectRef>
+          <a:fontRef idx="minor">
+            <a:schemeClr val="lt1"/>
+          </a:fontRef>
+        </p:style>
+        <p:txBody>
+          <a:bodyPr rtlCol="0" anchor="ctr"/>
+          <a:lstStyle/>
+          <a:p>
+            <a:pPr algn="ctr"/>
+            <a:r>
+              <a:rPr lang="pt-BR" sz="1600" b="1" dirty="0">
+                <a:solidFill>
+                  <a:srgbClr val="FFFF00"/>
+                </a:solidFill>
+              </a:rPr>
+              <a:t>DECLARAÇÃO DE CONCLUSÃO</a:t>
+            </a:r>
+          </a:p>
+        </p:txBody>
+      </p:sp>
+      <p:sp>
+        <p:nvSpPr>
+          <p:cNvPr id="10" name="Retângulo 9">
+            <a:extLst>
+              <a:ext uri="{FF2B5EF4-FFF2-40B4-BE49-F238E27FC236}">
+                <a16:creationId xmlns:a16="http://schemas.microsoft.com/office/drawing/2014/main" id="{7355D3F8-3332-4CC0-A2E1-4E67E2FADD9D}"/>
+              </a:ext>
+            </a:extLst>
+          </p:cNvPr>
+          <p:cNvSpPr/>
+          <p:nvPr/>
+        </p:nvSpPr>
+        <p:spPr>
+          <a:xfrm>
+            <a:off x="2262365" y="5720796"/>
+            <a:ext cx="3013981" cy="655292"/>
+          </a:xfrm>
+          <a:prstGeom prst="rect">
+            <a:avLst/>
+          </a:prstGeom>
+        </p:spPr>
+        <p:style>
+          <a:lnRef idx="2">
+            <a:schemeClr val="accent1">
+              <a:shade val="50000"/>
+            </a:schemeClr>
+          </a:lnRef>
+          <a:fillRef idx="1">
+            <a:schemeClr val="accent1"/>
+          </a:fillRef>
+          <a:effectRef idx="0">
+            <a:schemeClr val="accent1"/>
+          </a:effectRef>
+          <a:fontRef idx="minor">
+            <a:schemeClr val="lt1"/>
+          </a:fontRef>
+        </p:style>
+        <p:txBody>
+          <a:bodyPr rtlCol="0" anchor="ctr"/>
+          <a:lstStyle/>
+          <a:p>
+            <a:r>
+              <a:rPr lang="pt-BR" sz="1400" b="1" dirty="0">
+                <a:solidFill>
+                  <a:srgbClr val="FFFF00"/>
+                </a:solidFill>
+              </a:rPr>
+              <a:t>DECLARAÇÃO DE FREQUÊNCIA</a:t>
+            </a:r>
+          </a:p>
+        </p:txBody>
+      </p:sp>
+      <p:sp>
+        <p:nvSpPr>
+          <p:cNvPr id="11" name="Retângulo 10">
+            <a:extLst>
+              <a:ext uri="{FF2B5EF4-FFF2-40B4-BE49-F238E27FC236}">
+                <a16:creationId xmlns:a16="http://schemas.microsoft.com/office/drawing/2014/main" id="{7AFE8237-43E9-4943-804A-1D6C7A4D871F}"/>
+              </a:ext>
+            </a:extLst>
+          </p:cNvPr>
+          <p:cNvSpPr/>
+          <p:nvPr/>
+        </p:nvSpPr>
+        <p:spPr>
+          <a:xfrm>
+            <a:off x="2252867" y="4723296"/>
+            <a:ext cx="3023478" cy="597203"/>
+          </a:xfrm>
+          <a:prstGeom prst="rect">
+            <a:avLst/>
+          </a:prstGeom>
+        </p:spPr>
+        <p:style>
+          <a:lnRef idx="2">
+            <a:schemeClr val="accent1">
+              <a:shade val="50000"/>
+            </a:schemeClr>
+          </a:lnRef>
+          <a:fillRef idx="1">
+            <a:schemeClr val="accent1"/>
+          </a:fillRef>
+          <a:effectRef idx="0">
+            <a:schemeClr val="accent1"/>
+          </a:effectRef>
+          <a:fontRef idx="minor">
+            <a:schemeClr val="lt1"/>
+          </a:fontRef>
+        </p:style>
+        <p:txBody>
+          <a:bodyPr rtlCol="0" anchor="ctr"/>
+          <a:lstStyle/>
+          <a:p>
+            <a:r>
+              <a:rPr lang="pt-BR" b="1" dirty="0">
+                <a:solidFill>
+                  <a:srgbClr val="FFFF00"/>
+                </a:solidFill>
+              </a:rPr>
+              <a:t>Histórico</a:t>
+            </a:r>
+            <a:endParaRPr lang="pt-BR" dirty="0"/>
+          </a:p>
+        </p:txBody>
+      </p:sp>
+      <p:sp>
+        <p:nvSpPr>
+          <p:cNvPr id="12" name="Retângulo 11">
+            <a:extLst>
+              <a:ext uri="{FF2B5EF4-FFF2-40B4-BE49-F238E27FC236}">
+                <a16:creationId xmlns:a16="http://schemas.microsoft.com/office/drawing/2014/main" id="{6B35C7B9-CC3B-4B45-9921-3C290D65744E}"/>
+              </a:ext>
+            </a:extLst>
+          </p:cNvPr>
+          <p:cNvSpPr/>
+          <p:nvPr/>
+        </p:nvSpPr>
+        <p:spPr>
+          <a:xfrm>
+            <a:off x="2262365" y="2480461"/>
+            <a:ext cx="3013982" cy="655292"/>
+          </a:xfrm>
+          <a:prstGeom prst="rect">
+            <a:avLst/>
+          </a:prstGeom>
+        </p:spPr>
+        <p:style>
+          <a:lnRef idx="2">
+            <a:schemeClr val="accent1">
+              <a:shade val="50000"/>
+            </a:schemeClr>
+          </a:lnRef>
+          <a:fillRef idx="1">
+            <a:schemeClr val="accent1"/>
+          </a:fillRef>
+          <a:effectRef idx="0">
+            <a:schemeClr val="accent1"/>
+          </a:effectRef>
+          <a:fontRef idx="minor">
+            <a:schemeClr val="lt1"/>
+          </a:fontRef>
+        </p:style>
+        <p:txBody>
+          <a:bodyPr rtlCol="0" anchor="ctr"/>
+          <a:lstStyle/>
+          <a:p>
+            <a:r>
+              <a:rPr lang="pt-BR" b="1" dirty="0">
+                <a:solidFill>
+                  <a:srgbClr val="FFFF00"/>
+                </a:solidFill>
+              </a:rPr>
+              <a:t>Ficha de acompanhamento</a:t>
+            </a:r>
+          </a:p>
+          <a:p>
+            <a:pPr algn="ctr"/>
+            <a:endParaRPr lang="pt-BR" dirty="0"/>
+          </a:p>
+        </p:txBody>
+      </p:sp>
+      <p:sp>
+        <p:nvSpPr>
+          <p:cNvPr id="13" name="Retângulo 12">
+            <a:extLst>
+              <a:ext uri="{FF2B5EF4-FFF2-40B4-BE49-F238E27FC236}">
+                <a16:creationId xmlns:a16="http://schemas.microsoft.com/office/drawing/2014/main" id="{17317949-7C51-4DB6-9718-FEEA4E1F053B}"/>
+              </a:ext>
+            </a:extLst>
+          </p:cNvPr>
+          <p:cNvSpPr/>
+          <p:nvPr/>
+        </p:nvSpPr>
+        <p:spPr>
+          <a:xfrm>
+            <a:off x="5925443" y="1364900"/>
+            <a:ext cx="3013980" cy="720000"/>
+          </a:xfrm>
+          <a:prstGeom prst="rect">
+            <a:avLst/>
+          </a:prstGeom>
+        </p:spPr>
+        <p:style>
+          <a:lnRef idx="2">
+            <a:schemeClr val="accent1">
+              <a:shade val="50000"/>
+            </a:schemeClr>
+          </a:lnRef>
+          <a:fillRef idx="1">
+            <a:schemeClr val="accent1"/>
+          </a:fillRef>
+          <a:effectRef idx="0">
+            <a:schemeClr val="accent1"/>
+          </a:effectRef>
+          <a:fontRef idx="minor">
+            <a:schemeClr val="lt1"/>
+          </a:fontRef>
+        </p:style>
+        <p:txBody>
+          <a:bodyPr rtlCol="0" anchor="ctr"/>
+          <a:lstStyle/>
+          <a:p>
+            <a:r>
+              <a:rPr lang="pt-BR" b="1" dirty="0">
+                <a:solidFill>
+                  <a:srgbClr val="FFFF00"/>
+                </a:solidFill>
+              </a:rPr>
+              <a:t>Declaração de conclusão</a:t>
+            </a:r>
+            <a:endParaRPr lang="pt-BR" dirty="0"/>
+          </a:p>
+        </p:txBody>
+      </p:sp>
     </p:spTree>
     <p:extLst>
       <p:ext uri="{BB962C8B-B14F-4D97-AF65-F5344CB8AC3E}">
@@ -5778,12 +6277,12 @@
   </p:clrMapOvr>
   <mc:AlternateContent xmlns:mc="http://schemas.openxmlformats.org/markup-compatibility/2006">
     <mc:Choice xmlns:p159="http://schemas.microsoft.com/office/powerpoint/2015/09/main" Requires="p159">
-      <p:transition>
+      <p:transition xmlns:p14="http://schemas.microsoft.com/office/powerpoint/2010/main" spd="slow" p14:dur="2000">
         <p159:morph option="byObject"/>
       </p:transition>
     </mc:Choice>
     <mc:Fallback>
-      <p:transition>
+      <p:transition spd="slow">
         <p:fade/>
       </p:transition>
     </mc:Fallback>
@@ -6638,12 +7137,12 @@
   </p:clrMapOvr>
   <mc:AlternateContent xmlns:mc="http://schemas.openxmlformats.org/markup-compatibility/2006">
     <mc:Choice xmlns:p159="http://schemas.microsoft.com/office/powerpoint/2015/09/main" Requires="p159">
-      <p:transition>
+      <p:transition xmlns:p14="http://schemas.microsoft.com/office/powerpoint/2010/main" spd="slow" p14:dur="2000">
         <p159:morph option="byObject"/>
       </p:transition>
     </mc:Choice>
     <mc:Fallback>
-      <p:transition>
+      <p:transition spd="slow">
         <p:fade/>
       </p:transition>
     </mc:Fallback>
@@ -7498,12 +7997,12 @@
   </p:clrMapOvr>
   <mc:AlternateContent xmlns:mc="http://schemas.openxmlformats.org/markup-compatibility/2006">
     <mc:Choice xmlns:p159="http://schemas.microsoft.com/office/powerpoint/2015/09/main" Requires="p159">
-      <p:transition>
+      <p:transition xmlns:p14="http://schemas.microsoft.com/office/powerpoint/2010/main" spd="slow" p14:dur="2000">
         <p159:morph option="byObject"/>
       </p:transition>
     </mc:Choice>
     <mc:Fallback>
-      <p:transition>
+      <p:transition spd="slow">
         <p:fade/>
       </p:transition>
     </mc:Fallback>
@@ -8358,12 +8857,12 @@
   </p:clrMapOvr>
   <mc:AlternateContent xmlns:mc="http://schemas.openxmlformats.org/markup-compatibility/2006">
     <mc:Choice xmlns:p159="http://schemas.microsoft.com/office/powerpoint/2015/09/main" Requires="p159">
-      <p:transition>
+      <p:transition xmlns:p14="http://schemas.microsoft.com/office/powerpoint/2010/main" spd="slow" p14:dur="2000">
         <p159:morph option="byObject"/>
       </p:transition>
     </mc:Choice>
     <mc:Fallback>
-      <p:transition>
+      <p:transition spd="slow">
         <p:fade/>
       </p:transition>
     </mc:Fallback>
@@ -9218,12 +9717,12 @@
   </p:clrMapOvr>
   <mc:AlternateContent xmlns:mc="http://schemas.openxmlformats.org/markup-compatibility/2006">
     <mc:Choice xmlns:p159="http://schemas.microsoft.com/office/powerpoint/2015/09/main" Requires="p159">
-      <p:transition>
+      <p:transition xmlns:p14="http://schemas.microsoft.com/office/powerpoint/2010/main" spd="slow" p14:dur="2000">
         <p159:morph option="byObject"/>
       </p:transition>
     </mc:Choice>
     <mc:Fallback>
-      <p:transition>
+      <p:transition spd="slow">
         <p:fade/>
       </p:transition>
     </mc:Fallback>
@@ -10078,12 +10577,12 @@
   </p:clrMapOvr>
   <mc:AlternateContent xmlns:mc="http://schemas.openxmlformats.org/markup-compatibility/2006">
     <mc:Choice xmlns:p159="http://schemas.microsoft.com/office/powerpoint/2015/09/main" Requires="p159">
-      <p:transition>
+      <p:transition xmlns:p14="http://schemas.microsoft.com/office/powerpoint/2010/main" spd="slow" p14:dur="2000">
         <p159:morph option="byObject"/>
       </p:transition>
     </mc:Choice>
     <mc:Fallback>
-      <p:transition>
+      <p:transition spd="slow">
         <p:fade/>
       </p:transition>
     </mc:Fallback>
